--- a/lecnotes/lecture01.pptx
+++ b/lecnotes/lecture01.pptx
@@ -16,7 +16,7 @@
     <p:sldId id="261" r:id="rId13"/>
   </p:sldIdLst>
   <p:sldSz cx="12192000" cy="6858000"/>
-  <p:notesSz cx="6858000" cy="9313863"/>
+  <p:notesSz cx="6858000" cy="9144000"/>
   <p:defaultTextStyle>
     <a:defPPr>
       <a:defRPr lang="en-US"/>
@@ -582,7 +582,7 @@
           <a:p>
             <a:fld id="{EA0C0817-A112-4847-8014-A94B7D2A4EA3}" type="datetime1">
               <a:rPr lang="en-US" smtClean="0"/>
-              <a:t>1/9/2022</a:t>
+              <a:t>9/27/2023</a:t>
             </a:fld>
             <a:endParaRPr lang="en-US" dirty="0"/>
           </a:p>
@@ -784,7 +784,7 @@
           <a:p>
             <a:fld id="{F6FA2B21-3FCD-4721-B95C-427943F61125}" type="datetime1">
               <a:rPr lang="en-US" smtClean="0"/>
-              <a:t>1/9/2022</a:t>
+              <a:t>9/27/2023</a:t>
             </a:fld>
             <a:endParaRPr lang="en-US" dirty="0"/>
           </a:p>
@@ -965,7 +965,7 @@
           <a:p>
             <a:fld id="{F6FA2B21-3FCD-4721-B95C-427943F61125}" type="datetime1">
               <a:rPr lang="en-US" smtClean="0"/>
-              <a:t>1/9/2022</a:t>
+              <a:t>9/27/2023</a:t>
             </a:fld>
             <a:endParaRPr lang="en-US" dirty="0"/>
           </a:p>
@@ -1136,7 +1136,7 @@
           <a:p>
             <a:fld id="{7332B432-ACDA-4023-A761-2BAB76577B62}" type="datetime1">
               <a:rPr lang="en-US" smtClean="0"/>
-              <a:t>1/9/2022</a:t>
+              <a:t>9/27/2023</a:t>
             </a:fld>
             <a:endParaRPr lang="en-US" dirty="0"/>
           </a:p>
@@ -1707,7 +1707,7 @@
           <a:p>
             <a:fld id="{D9C646AA-F36E-4540-911D-FFFC0A0EF24A}" type="datetime1">
               <a:rPr lang="en-US" smtClean="0"/>
-              <a:t>1/9/2022</a:t>
+              <a:t>9/27/2023</a:t>
             </a:fld>
             <a:endParaRPr lang="en-US" dirty="0"/>
           </a:p>
@@ -2009,7 +2009,7 @@
           <a:p>
             <a:fld id="{69186D26-FA5F-4637-B602-B7C2DC34CFD4}" type="datetime1">
               <a:rPr lang="en-US" smtClean="0"/>
-              <a:t>1/9/2022</a:t>
+              <a:t>9/27/2023</a:t>
             </a:fld>
             <a:endParaRPr lang="en-US" dirty="0"/>
           </a:p>
@@ -2446,7 +2446,7 @@
           <a:p>
             <a:fld id="{8A7F15D8-96D1-4781-BC50-CA8A088B2FE4}" type="datetime1">
               <a:rPr lang="en-US" smtClean="0"/>
-              <a:t>1/9/2022</a:t>
+              <a:t>9/27/2023</a:t>
             </a:fld>
             <a:endParaRPr lang="en-US" dirty="0"/>
           </a:p>
@@ -2564,7 +2564,7 @@
           <a:p>
             <a:fld id="{F9A96C99-B8F8-4528-BD05-0E16E943DC09}" type="datetime1">
               <a:rPr lang="en-US" smtClean="0"/>
-              <a:t>1/9/2022</a:t>
+              <a:t>9/27/2023</a:t>
             </a:fld>
             <a:endParaRPr lang="en-US" dirty="0"/>
           </a:p>
@@ -2659,7 +2659,7 @@
           <a:p>
             <a:fld id="{03636942-C211-4B28-8DBD-C953E00AF71B}" type="datetime1">
               <a:rPr lang="en-US" smtClean="0"/>
-              <a:t>1/9/2022</a:t>
+              <a:t>9/27/2023</a:t>
             </a:fld>
             <a:endParaRPr lang="en-US" dirty="0"/>
           </a:p>
@@ -3041,7 +3041,7 @@
           <a:p>
             <a:fld id="{7E8D12A6-918A-48BD-8CB9-CA713993B0EA}" type="datetime1">
               <a:rPr lang="en-US" smtClean="0"/>
-              <a:t>1/9/2022</a:t>
+              <a:t>9/27/2023</a:t>
             </a:fld>
             <a:endParaRPr lang="en-US" dirty="0"/>
           </a:p>
@@ -3436,7 +3436,7 @@
             <a:fld id="{E778CE86-875F-4587-BCF6-FA054AFC0D53}" type="datetime1">
               <a:rPr lang="en-US" smtClean="0"/>
               <a:pPr/>
-              <a:t>1/9/2022</a:t>
+              <a:t>9/27/2023</a:t>
             </a:fld>
             <a:endParaRPr lang="en-US" dirty="0"/>
           </a:p>
@@ -3750,7 +3750,7 @@
           <a:p>
             <a:fld id="{F6FA2B21-3FCD-4721-B95C-427943F61125}" type="datetime1">
               <a:rPr lang="en-US" smtClean="0"/>
-              <a:t>1/9/2022</a:t>
+              <a:t>9/27/2023</a:t>
             </a:fld>
             <a:endParaRPr lang="en-US" dirty="0"/>
           </a:p>
@@ -4437,28 +4437,9 @@
         </p:spPr>
         <p:txBody>
           <a:bodyPr>
-            <a:normAutofit lnSpcReduction="10000"/>
+            <a:normAutofit/>
           </a:bodyPr>
           <a:lstStyle/>
-          <a:p>
-            <a:pPr>
-              <a:spcAft>
-                <a:spcPts val="600"/>
-              </a:spcAft>
-            </a:pPr>
-            <a:r>
-              <a:rPr lang="en-US" dirty="0"/>
-              <a:t>January 10, 2022</a:t>
-            </a:r>
-          </a:p>
-          <a:p>
-            <a:pPr>
-              <a:spcAft>
-                <a:spcPts val="600"/>
-              </a:spcAft>
-            </a:pPr>
-            <a:endParaRPr lang="en-US" dirty="0"/>
-          </a:p>
           <a:p>
             <a:pPr>
               <a:spcAft>
@@ -5839,8 +5820,8 @@
           <a:p>
             <a:pPr algn="ctr"/>
             <a:r>
-              <a:rPr lang="en-US" sz="4000" dirty="0"/>
-              <a:t>What is a programming language?</a:t>
+              <a:rPr lang="en-US" dirty="0"/>
+              <a:t>What is a computer language?</a:t>
             </a:r>
           </a:p>
         </p:txBody>
@@ -7743,7 +7724,7 @@
             <a:pPr lvl="1"/>
             <a:r>
               <a:rPr lang="en-US" dirty="0"/>
-              <a:t>Already installed on lab computers (use Computer Science 2021 image)</a:t>
+              <a:t>Already installed on lab computers (use Computer Science image)</a:t>
             </a:r>
           </a:p>
           <a:p>
@@ -7756,21 +7737,6 @@
               <a:rPr lang="en-US" dirty="0"/>
               <a:t>Software download instructions are given in Chapter 2 of the text for your own computer</a:t>
             </a:r>
-          </a:p>
-          <a:p>
-            <a:pPr lvl="1"/>
-            <a:endParaRPr lang="en-US" dirty="0"/>
-          </a:p>
-          <a:p>
-            <a:pPr lvl="1"/>
-            <a:r>
-              <a:rPr lang="en-US" dirty="0"/>
-              <a:t>We’ll be using Release 3.5.4 as it is the release used in the book</a:t>
-            </a:r>
-          </a:p>
-          <a:p>
-            <a:pPr lvl="1"/>
-            <a:endParaRPr lang="en-US" dirty="0"/>
           </a:p>
           <a:p>
             <a:pPr lvl="1"/>
@@ -7839,7 +7805,7 @@
         </p:blipFill>
         <p:spPr bwMode="auto">
           <a:xfrm>
-            <a:off x="7688778" y="2723206"/>
+            <a:off x="7688778" y="2956670"/>
             <a:ext cx="651247" cy="651247"/>
           </a:xfrm>
           <a:prstGeom prst="rect">
@@ -8114,7 +8080,7 @@
             </a:r>
             <a:r>
               <a:rPr lang="en-US" b="1" dirty="0"/>
-              <a:t>Thursday, March 3 11am-1pm</a:t>
+              <a:t>Thursday, December 14, 1-4 pm</a:t>
             </a:r>
             <a:r>
               <a:rPr lang="en-US" dirty="0"/>
@@ -8341,9 +8307,7 @@
           </a:xfrm>
         </p:spPr>
         <p:txBody>
-          <a:bodyPr>
-            <a:normAutofit fontScale="92500" lnSpcReduction="10000"/>
-          </a:bodyPr>
+          <a:bodyPr/>
           <a:lstStyle/>
           <a:p>
             <a:r>
@@ -8354,7 +8318,7 @@
               <a:rPr lang="en-US" dirty="0">
                 <a:hlinkClick r:id="rId2"/>
               </a:rPr>
-              <a:t>CSC 108 Home Page (cs-courses-mountunion.github.io)</a:t>
+              <a:t>CSC 108 Home Page</a:t>
             </a:r>
             <a:endParaRPr lang="en-US" dirty="0"/>
           </a:p>
@@ -8370,7 +8334,7 @@
               <a:rPr lang="en-US" dirty="0">
                 <a:hlinkClick r:id="rId3"/>
               </a:rPr>
-              <a:t>syllabus108.pdf (cs-courses-mountunion.github.io)</a:t>
+              <a:t>syllabus108.pdf</a:t>
             </a:r>
             <a:endParaRPr lang="en-US" dirty="0"/>
           </a:p>
@@ -8380,76 +8344,32 @@
           <a:p>
             <a:r>
               <a:rPr lang="en-US" dirty="0"/>
-              <a:t>Computer Science homepage: </a:t>
-            </a:r>
-            <a:r>
-              <a:rPr lang="en-US" b="0" i="0" dirty="0">
-                <a:effectLst/>
+              <a:t>Online textbook instructions: </a:t>
+            </a:r>
+            <a:r>
+              <a:rPr lang="en-US" dirty="0">
                 <a:hlinkClick r:id="rId4"/>
               </a:rPr>
-              <a:t>https://silver.mountunion.edu/cs/</a:t>
-            </a:r>
-            <a:r>
-              <a:rPr lang="en-US" b="0" i="0" dirty="0">
-                <a:effectLst/>
-              </a:rPr>
-              <a:t> </a:t>
-            </a:r>
-            <a:r>
-              <a:rPr lang="en-US" b="0" i="0" dirty="0">
-                <a:effectLst/>
-                <a:latin typeface="ui-monospace"/>
-              </a:rPr>
-              <a:t>(this link only works on campus or through a VPN connection)</a:t>
-            </a:r>
-          </a:p>
-          <a:p>
-            <a:endParaRPr lang="en-US" dirty="0">
-              <a:latin typeface="ui-monospace"/>
-            </a:endParaRPr>
+              <a:t>Accessing O'Reilly Learning Resources</a:t>
+            </a:r>
+            <a:endParaRPr lang="en-US" dirty="0"/>
+          </a:p>
+          <a:p>
+            <a:pPr marL="0" indent="0">
+              <a:buNone/>
+            </a:pPr>
+            <a:endParaRPr lang="en-US" dirty="0"/>
           </a:p>
           <a:p>
             <a:r>
               <a:rPr lang="en-US" dirty="0"/>
-              <a:t>Online textbook instructions: </a:t>
+              <a:t>Processing: </a:t>
             </a:r>
             <a:r>
               <a:rPr lang="en-US" dirty="0">
                 <a:hlinkClick r:id="rId5"/>
               </a:rPr>
-              <a:t>Accessing O'Reilly Learning Resources (cs-courses-mountunion.github.io)</a:t>
-            </a:r>
-            <a:endParaRPr lang="en-US" dirty="0"/>
-          </a:p>
-          <a:p>
-            <a:endParaRPr lang="en-US" dirty="0"/>
-          </a:p>
-          <a:p>
-            <a:r>
-              <a:rPr lang="en-US" dirty="0"/>
-              <a:t>Processing: </a:t>
-            </a:r>
-            <a:r>
-              <a:rPr lang="en-US" dirty="0">
-                <a:hlinkClick r:id="rId6"/>
-              </a:rPr>
               <a:t>Welcome to Processing! / Processing.org</a:t>
-            </a:r>
-            <a:endParaRPr lang="en-US" dirty="0"/>
-          </a:p>
-          <a:p>
-            <a:endParaRPr lang="en-US" dirty="0"/>
-          </a:p>
-          <a:p>
-            <a:r>
-              <a:rPr lang="en-US" dirty="0"/>
-              <a:t>D2L: </a:t>
-            </a:r>
-            <a:r>
-              <a:rPr lang="en-US" dirty="0">
-                <a:hlinkClick r:id="rId7"/>
-              </a:rPr>
-              <a:t>D2L @ Mount Union</a:t>
             </a:r>
             <a:endParaRPr lang="en-US" dirty="0"/>
           </a:p>
@@ -8756,6 +8676,24 @@
 </file>
 
 <file path=customXml/item1.xml><?xml version="1.0" encoding="utf-8"?>
+<?mso-contentType ?>
+<FormTemplates xmlns="http://schemas.microsoft.com/sharepoint/v3/contenttype/forms">
+  <Display>DocumentLibraryForm</Display>
+  <Edit>DocumentLibraryForm</Edit>
+  <New>DocumentLibraryForm</New>
+</FormTemplates>
+</file>
+
+<file path=customXml/item2.xml><?xml version="1.0" encoding="utf-8"?>
+<p:properties xmlns:p="http://schemas.microsoft.com/office/2006/metadata/properties" xmlns:xsi="http://www.w3.org/2001/XMLSchema-instance" xmlns:pc="http://schemas.microsoft.com/office/infopath/2007/PartnerControls">
+  <documentManagement>
+    <Status xmlns="71af3243-3dd4-4a8d-8c0d-dd76da1f02a5">Not started</Status>
+    <MediaServiceKeyPoints xmlns="71af3243-3dd4-4a8d-8c0d-dd76da1f02a5" xsi:nil="true"/>
+  </documentManagement>
+</p:properties>
+</file>
+
+<file path=customXml/item3.xml><?xml version="1.0" encoding="utf-8"?>
 <ct:contentTypeSchema xmlns:ct="http://schemas.microsoft.com/office/2006/metadata/contentType" xmlns:ma="http://schemas.microsoft.com/office/2006/metadata/properties/metaAttributes" ct:_="" ma:_="" ma:contentTypeName="Document" ma:contentTypeID="0x01010079F111ED35F8CC479449609E8A0923A6" ma:contentTypeVersion="12" ma:contentTypeDescription="Create a new document." ma:contentTypeScope="" ma:versionID="a410dd7f93c95333ffa1b60ed6adedd1">
   <xsd:schema xmlns:xsd="http://www.w3.org/2001/XMLSchema" xmlns:xs="http://www.w3.org/2001/XMLSchema" xmlns:p="http://schemas.microsoft.com/office/2006/metadata/properties" xmlns:ns2="71af3243-3dd4-4a8d-8c0d-dd76da1f02a5" xmlns:ns3="16c05727-aa75-4e4a-9b5f-8a80a1165891" targetNamespace="http://schemas.microsoft.com/office/2006/metadata/properties" ma:root="true" ma:fieldsID="a936d9baba76aa3866493feff160faab" ns2:_="" ns3:_="">
     <xsd:import namespace="71af3243-3dd4-4a8d-8c0d-dd76da1f02a5"/>
@@ -8976,25 +8914,25 @@
 </ct:contentTypeSchema>
 </file>
 
-<file path=customXml/item2.xml><?xml version="1.0" encoding="utf-8"?>
-<p:properties xmlns:p="http://schemas.microsoft.com/office/2006/metadata/properties" xmlns:xsi="http://www.w3.org/2001/XMLSchema-instance" xmlns:pc="http://schemas.microsoft.com/office/infopath/2007/PartnerControls">
-  <documentManagement>
-    <Status xmlns="71af3243-3dd4-4a8d-8c0d-dd76da1f02a5">Not started</Status>
-    <MediaServiceKeyPoints xmlns="71af3243-3dd4-4a8d-8c0d-dd76da1f02a5" xsi:nil="true"/>
-  </documentManagement>
-</p:properties>
+<file path=customXml/itemProps1.xml><?xml version="1.0" encoding="utf-8"?>
+<ds:datastoreItem xmlns:ds="http://schemas.openxmlformats.org/officeDocument/2006/customXml" ds:itemID="{CDB58277-F8DF-46FF-84EC-EF41B835E69F}">
+  <ds:schemaRefs>
+    <ds:schemaRef ds:uri="http://schemas.microsoft.com/sharepoint/v3/contenttype/forms"/>
+  </ds:schemaRefs>
+</ds:datastoreItem>
 </file>
 
-<file path=customXml/item3.xml><?xml version="1.0" encoding="utf-8"?>
-<?mso-contentType ?>
-<FormTemplates xmlns="http://schemas.microsoft.com/sharepoint/v3/contenttype/forms">
-  <Display>DocumentLibraryForm</Display>
-  <Edit>DocumentLibraryForm</Edit>
-  <New>DocumentLibraryForm</New>
-</FormTemplates>
+<file path=customXml/itemProps2.xml><?xml version="1.0" encoding="utf-8"?>
+<ds:datastoreItem xmlns:ds="http://schemas.openxmlformats.org/officeDocument/2006/customXml" ds:itemID="{137651BA-F45C-4845-9AB3-E0A65B39F5E1}">
+  <ds:schemaRefs>
+    <ds:schemaRef ds:uri="http://schemas.microsoft.com/office/2006/metadata/properties"/>
+    <ds:schemaRef ds:uri="http://schemas.microsoft.com/office/infopath/2007/PartnerControls"/>
+    <ds:schemaRef ds:uri="71af3243-3dd4-4a8d-8c0d-dd76da1f02a5"/>
+  </ds:schemaRefs>
+</ds:datastoreItem>
 </file>
 
-<file path=customXml/itemProps1.xml><?xml version="1.0" encoding="utf-8"?>
+<file path=customXml/itemProps3.xml><?xml version="1.0" encoding="utf-8"?>
 <ds:datastoreItem xmlns:ds="http://schemas.openxmlformats.org/officeDocument/2006/customXml" ds:itemID="{2D276E62-80A3-44DD-9BCC-97ED2B99B57F}">
   <ds:schemaRefs>
     <ds:schemaRef ds:uri="http://schemas.microsoft.com/office/2006/metadata/contentType"/>
@@ -9011,29 +8949,4 @@
     <ds:schemaRef ds:uri="http://schemas.microsoft.com/internal/obd"/>
   </ds:schemaRefs>
 </ds:datastoreItem>
-</file>
-
-<file path=customXml/itemProps2.xml><?xml version="1.0" encoding="utf-8"?>
-<ds:datastoreItem xmlns:ds="http://schemas.openxmlformats.org/officeDocument/2006/customXml" ds:itemID="{137651BA-F45C-4845-9AB3-E0A65B39F5E1}">
-  <ds:schemaRefs>
-    <ds:schemaRef ds:uri="71af3243-3dd4-4a8d-8c0d-dd76da1f02a5"/>
-    <ds:schemaRef ds:uri="http://www.w3.org/XML/1998/namespace"/>
-    <ds:schemaRef ds:uri="http://schemas.microsoft.com/office/2006/metadata/properties"/>
-    <ds:schemaRef ds:uri="http://purl.org/dc/dcmitype/"/>
-    <ds:schemaRef ds:uri="16c05727-aa75-4e4a-9b5f-8a80a1165891"/>
-    <ds:schemaRef ds:uri="http://schemas.microsoft.com/office/2006/documentManagement/types"/>
-    <ds:schemaRef ds:uri="http://purl.org/dc/elements/1.1/"/>
-    <ds:schemaRef ds:uri="http://schemas.microsoft.com/office/infopath/2007/PartnerControls"/>
-    <ds:schemaRef ds:uri="http://schemas.openxmlformats.org/package/2006/metadata/core-properties"/>
-    <ds:schemaRef ds:uri="http://purl.org/dc/terms/"/>
-  </ds:schemaRefs>
-</ds:datastoreItem>
-</file>
-
-<file path=customXml/itemProps3.xml><?xml version="1.0" encoding="utf-8"?>
-<ds:datastoreItem xmlns:ds="http://schemas.openxmlformats.org/officeDocument/2006/customXml" ds:itemID="{CDB58277-F8DF-46FF-84EC-EF41B835E69F}">
-  <ds:schemaRefs>
-    <ds:schemaRef ds:uri="http://schemas.microsoft.com/sharepoint/v3/contenttype/forms"/>
-  </ds:schemaRefs>
-</ds:datastoreItem>
 </file>